--- a/CaseStudy-Setup.pptx
+++ b/CaseStudy-Setup.pptx
@@ -8,6 +8,7 @@
     <p:sldId id="256" r:id="rId2"/>
     <p:sldId id="279" r:id="rId3"/>
     <p:sldId id="278" r:id="rId4"/>
+    <p:sldId id="280" r:id="rId5"/>
   </p:sldIdLst>
   <p:sldSz cx="12192000" cy="6858000"/>
   <p:notesSz cx="6858000" cy="9144000"/>
@@ -3420,7 +3421,7 @@
             </a:pPr>
             <a:r>
               <a:rPr lang="en-US" sz="2000" dirty="0"/>
-              <a:t>Import Projects in </a:t>
+              <a:t>Unzip Project.zip and directly import projects in </a:t>
             </a:r>
             <a:r>
               <a:rPr lang="en-US" sz="2000" dirty="0" err="1"/>
@@ -3883,8 +3884,8 @@
         </p:nvSpPr>
         <p:spPr>
           <a:xfrm>
-            <a:off x="547955" y="1129556"/>
-            <a:ext cx="11096090" cy="2862322"/>
+            <a:off x="629919" y="1076960"/>
+            <a:ext cx="11014125" cy="2914918"/>
           </a:xfrm>
           <a:prstGeom prst="rect">
             <a:avLst/>
@@ -4107,6 +4108,257 @@
     <p:extLst>
       <p:ext uri="{BB962C8B-B14F-4D97-AF65-F5344CB8AC3E}">
         <p14:creationId xmlns:p14="http://schemas.microsoft.com/office/powerpoint/2010/main" val="1979650316"/>
+      </p:ext>
+    </p:extLst>
+  </p:cSld>
+  <p:clrMapOvr>
+    <a:masterClrMapping/>
+  </p:clrMapOvr>
+</p:sld>
+</file>
+
+<file path=ppt/slides/slide4.xml><?xml version="1.0" encoding="utf-8"?>
+<p:sld xmlns:a="http://schemas.openxmlformats.org/drawingml/2006/main" xmlns:r="http://schemas.openxmlformats.org/officeDocument/2006/relationships" xmlns:p="http://schemas.openxmlformats.org/presentationml/2006/main">
+  <p:cSld>
+    <p:spTree>
+      <p:nvGrpSpPr>
+        <p:cNvPr id="1" name=""/>
+        <p:cNvGrpSpPr/>
+        <p:nvPr/>
+      </p:nvGrpSpPr>
+      <p:grpSpPr>
+        <a:xfrm>
+          <a:off x="0" y="0"/>
+          <a:ext cx="0" cy="0"/>
+          <a:chOff x="0" y="0"/>
+          <a:chExt cx="0" cy="0"/>
+        </a:xfrm>
+      </p:grpSpPr>
+      <p:sp>
+        <p:nvSpPr>
+          <p:cNvPr id="2" name="TextBox 1">
+            <a:extLst>
+              <a:ext uri="{FF2B5EF4-FFF2-40B4-BE49-F238E27FC236}">
+                <a16:creationId xmlns:a16="http://schemas.microsoft.com/office/drawing/2014/main" id="{64EC6B3A-F5C7-1633-CCF8-37BBB647E7EF}"/>
+              </a:ext>
+            </a:extLst>
+          </p:cNvPr>
+          <p:cNvSpPr txBox="1"/>
+          <p:nvPr/>
+        </p:nvSpPr>
+        <p:spPr>
+          <a:xfrm>
+            <a:off x="547955" y="1129556"/>
+            <a:ext cx="11096090" cy="1631216"/>
+          </a:xfrm>
+          <a:prstGeom prst="rect">
+            <a:avLst/>
+          </a:prstGeom>
+          <a:noFill/>
+        </p:spPr>
+        <p:txBody>
+          <a:bodyPr wrap="square" rtlCol="0">
+            <a:spAutoFit/>
+          </a:bodyPr>
+          <a:lstStyle/>
+          <a:p>
+            <a:pPr marL="285750" indent="-285750">
+              <a:buFont typeface="Arial" panose="020B0604020202020204" pitchFamily="34" charset="0"/>
+              <a:buChar char="•"/>
+            </a:pPr>
+            <a:endParaRPr lang="en-US" sz="2000" dirty="0"/>
+          </a:p>
+          <a:p>
+            <a:pPr marL="285750" indent="-285750">
+              <a:buFont typeface="Arial" panose="020B0604020202020204" pitchFamily="34" charset="0"/>
+              <a:buChar char="•"/>
+            </a:pPr>
+            <a:r>
+              <a:rPr lang="en-US" sz="2000" dirty="0"/>
+              <a:t>Create 3 Queues.</a:t>
+            </a:r>
+          </a:p>
+          <a:p>
+            <a:pPr marL="285750" indent="-285750">
+              <a:buFont typeface="Arial" panose="020B0604020202020204" pitchFamily="34" charset="0"/>
+              <a:buChar char="•"/>
+            </a:pPr>
+            <a:r>
+              <a:rPr lang="en-US" sz="2000" dirty="0"/>
+              <a:t>Order-q (Main Data </a:t>
+            </a:r>
+            <a:r>
+              <a:rPr lang="en-US" sz="2000" dirty="0" err="1"/>
+              <a:t>Recieving</a:t>
+            </a:r>
+            <a:r>
+              <a:rPr lang="en-US" sz="2000" dirty="0"/>
+              <a:t> Queue)</a:t>
+            </a:r>
+          </a:p>
+          <a:p>
+            <a:pPr marL="285750" indent="-285750">
+              <a:buFont typeface="Arial" panose="020B0604020202020204" pitchFamily="34" charset="0"/>
+              <a:buChar char="•"/>
+            </a:pPr>
+            <a:r>
+              <a:rPr lang="en-US" sz="2000" dirty="0"/>
+              <a:t>Order-reprocess-q (Used for Data Error Queue)</a:t>
+            </a:r>
+          </a:p>
+          <a:p>
+            <a:pPr marL="285750" indent="-285750">
+              <a:buFont typeface="Arial" panose="020B0604020202020204" pitchFamily="34" charset="0"/>
+              <a:buChar char="•"/>
+            </a:pPr>
+            <a:r>
+              <a:rPr lang="en-US" sz="2000" dirty="0"/>
+              <a:t>Order-dl-q (Used as Dead Letter Queue)</a:t>
+            </a:r>
+          </a:p>
+        </p:txBody>
+      </p:sp>
+      <p:sp>
+        <p:nvSpPr>
+          <p:cNvPr id="6" name="Rectangle 5">
+            <a:extLst>
+              <a:ext uri="{FF2B5EF4-FFF2-40B4-BE49-F238E27FC236}">
+                <a16:creationId xmlns:a16="http://schemas.microsoft.com/office/drawing/2014/main" id="{D5C1BB4C-2FAE-5FDE-1AF8-43761F211D1B}"/>
+              </a:ext>
+            </a:extLst>
+          </p:cNvPr>
+          <p:cNvSpPr>
+            <a:spLocks noChangeArrowheads="1"/>
+          </p:cNvSpPr>
+          <p:nvPr/>
+        </p:nvSpPr>
+        <p:spPr bwMode="auto">
+          <a:xfrm>
+            <a:off x="0" y="0"/>
+            <a:ext cx="12056723" cy="523220"/>
+          </a:xfrm>
+          <a:prstGeom prst="rect">
+            <a:avLst/>
+          </a:prstGeom>
+          <a:noFill/>
+          <a:ln>
+            <a:noFill/>
+          </a:ln>
+          <a:effectLst/>
+          <a:extLst>
+            <a:ext uri="{909E8E84-426E-40DD-AFC4-6F175D3DCCD1}">
+              <a14:hiddenFill xmlns:a14="http://schemas.microsoft.com/office/drawing/2010/main">
+                <a:solidFill>
+                  <a:schemeClr val="accent1"/>
+                </a:solidFill>
+              </a14:hiddenFill>
+            </a:ext>
+            <a:ext uri="{91240B29-F687-4F45-9708-019B960494DF}">
+              <a14:hiddenLine xmlns:a14="http://schemas.microsoft.com/office/drawing/2010/main" w="9525">
+                <a:solidFill>
+                  <a:schemeClr val="tx1"/>
+                </a:solidFill>
+                <a:miter lim="800000"/>
+                <a:headEnd/>
+                <a:tailEnd/>
+              </a14:hiddenLine>
+            </a:ext>
+            <a:ext uri="{AF507438-7753-43E0-B8FC-AC1667EBCBE1}">
+              <a14:hiddenEffects xmlns:a14="http://schemas.microsoft.com/office/drawing/2010/main">
+                <a:effectLst>
+                  <a:outerShdw dist="35921" dir="2700000" algn="ctr" rotWithShape="0">
+                    <a:schemeClr val="bg2"/>
+                  </a:outerShdw>
+                </a:effectLst>
+              </a14:hiddenEffects>
+            </a:ext>
+          </a:extLst>
+        </p:spPr>
+        <p:txBody>
+          <a:bodyPr vert="horz" wrap="square" lIns="91440" tIns="45720" rIns="91440" bIns="45720" numCol="1" anchor="ctr" anchorCtr="0" compatLnSpc="1">
+            <a:prstTxWarp prst="textNoShape">
+              <a:avLst/>
+            </a:prstTxWarp>
+            <a:spAutoFit/>
+          </a:bodyPr>
+          <a:lstStyle/>
+          <a:p>
+            <a:pPr algn="ctr"/>
+            <a:r>
+              <a:rPr lang="en-US" sz="2800" dirty="0" err="1"/>
+              <a:t>Anypoint</a:t>
+            </a:r>
+            <a:r>
+              <a:rPr lang="en-US" sz="2800" dirty="0"/>
+              <a:t> MQ Setup Guide</a:t>
+            </a:r>
+          </a:p>
+        </p:txBody>
+      </p:sp>
+      <p:pic>
+        <p:nvPicPr>
+          <p:cNvPr id="4" name="Picture 3">
+            <a:extLst>
+              <a:ext uri="{FF2B5EF4-FFF2-40B4-BE49-F238E27FC236}">
+                <a16:creationId xmlns:a16="http://schemas.microsoft.com/office/drawing/2014/main" id="{FBCC8816-5E94-4107-B241-77B1DFFB63C0}"/>
+              </a:ext>
+            </a:extLst>
+          </p:cNvPr>
+          <p:cNvPicPr>
+            <a:picLocks noChangeAspect="1"/>
+          </p:cNvPicPr>
+          <p:nvPr/>
+        </p:nvPicPr>
+        <p:blipFill>
+          <a:blip r:embed="rId2"/>
+          <a:stretch>
+            <a:fillRect/>
+          </a:stretch>
+        </p:blipFill>
+        <p:spPr>
+          <a:xfrm>
+            <a:off x="419355" y="5439065"/>
+            <a:ext cx="8430005" cy="1070140"/>
+          </a:xfrm>
+          <a:prstGeom prst="rect">
+            <a:avLst/>
+          </a:prstGeom>
+        </p:spPr>
+      </p:pic>
+      <p:pic>
+        <p:nvPicPr>
+          <p:cNvPr id="7" name="Picture 6">
+            <a:extLst>
+              <a:ext uri="{FF2B5EF4-FFF2-40B4-BE49-F238E27FC236}">
+                <a16:creationId xmlns:a16="http://schemas.microsoft.com/office/drawing/2014/main" id="{BD98F010-F935-A3A3-637B-F3C18BE1514B}"/>
+              </a:ext>
+            </a:extLst>
+          </p:cNvPr>
+          <p:cNvPicPr>
+            <a:picLocks noChangeAspect="1"/>
+          </p:cNvPicPr>
+          <p:nvPr/>
+        </p:nvPicPr>
+        <p:blipFill>
+          <a:blip r:embed="rId3"/>
+          <a:stretch>
+            <a:fillRect/>
+          </a:stretch>
+        </p:blipFill>
+        <p:spPr>
+          <a:xfrm>
+            <a:off x="6645054" y="883865"/>
+            <a:ext cx="5411669" cy="4246935"/>
+          </a:xfrm>
+          <a:prstGeom prst="rect">
+            <a:avLst/>
+          </a:prstGeom>
+        </p:spPr>
+      </p:pic>
+    </p:spTree>
+    <p:extLst>
+      <p:ext uri="{BB962C8B-B14F-4D97-AF65-F5344CB8AC3E}">
+        <p14:creationId xmlns:p14="http://schemas.microsoft.com/office/powerpoint/2010/main" val="2311904307"/>
       </p:ext>
     </p:extLst>
   </p:cSld>

--- a/CaseStudy-Setup.pptx
+++ b/CaseStudy-Setup.pptx
@@ -3402,7 +3402,7 @@
         <p:spPr>
           <a:xfrm>
             <a:off x="547955" y="1129556"/>
-            <a:ext cx="11096090" cy="2246769"/>
+            <a:ext cx="11096090" cy="2554545"/>
           </a:xfrm>
           <a:prstGeom prst="rect">
             <a:avLst/>
@@ -3439,6 +3439,32 @@
             </a:pPr>
             <a:r>
               <a:rPr lang="en-US" sz="2000" dirty="0"/>
+              <a:t>Update DB details in mule-</a:t>
+            </a:r>
+            <a:r>
+              <a:rPr lang="en-US" sz="2000" dirty="0" err="1"/>
+              <a:t>db</a:t>
+            </a:r>
+            <a:r>
+              <a:rPr lang="en-US" sz="2000" dirty="0"/>
+              <a:t>-customer-</a:t>
+            </a:r>
+            <a:r>
+              <a:rPr lang="en-US" sz="2000" dirty="0" err="1"/>
+              <a:t>sapi</a:t>
+            </a:r>
+            <a:r>
+              <a:rPr lang="en-US" sz="2000" dirty="0"/>
+              <a:t> properties file. Local and Dev Properties YAML file.</a:t>
+            </a:r>
+          </a:p>
+          <a:p>
+            <a:pPr marL="285750" indent="-285750">
+              <a:buFont typeface="Arial" panose="020B0604020202020204" pitchFamily="34" charset="0"/>
+              <a:buChar char="•"/>
+            </a:pPr>
+            <a:r>
+              <a:rPr lang="en-US" sz="2000" dirty="0"/>
               <a:t>Run Multiple Applications on </a:t>
             </a:r>
             <a:r>
@@ -3629,7 +3655,7 @@
         <p:spPr>
           <a:xfrm>
             <a:off x="547955" y="4950431"/>
-            <a:ext cx="11096090" cy="1323439"/>
+            <a:ext cx="11096090" cy="1631216"/>
           </a:xfrm>
           <a:prstGeom prst="rect">
             <a:avLst/>
@@ -3641,6 +3667,13 @@
             <a:spAutoFit/>
           </a:bodyPr>
           <a:lstStyle/>
+          <a:p>
+            <a:pPr marL="285750" indent="-285750">
+              <a:buFont typeface="Arial" panose="020B0604020202020204" pitchFamily="34" charset="0"/>
+              <a:buChar char="•"/>
+            </a:pPr>
+            <a:endParaRPr lang="en-US" sz="2000" dirty="0"/>
+          </a:p>
           <a:p>
             <a:pPr marL="285750" indent="-285750">
               <a:buFont typeface="Arial" panose="020B0604020202020204" pitchFamily="34" charset="0"/>
